--- a/Churn rates SQL.pptx
+++ b/Churn rates SQL.pptx
@@ -24737,22 +24737,14 @@
             </a:endParaRPr>
           </a:p>
           <a:p>
-            <a:pPr marL="0" lvl="0" indent="0" algn="l" rtl="0">
-              <a:spcBef>
-                <a:spcPts val="0"/>
-              </a:spcBef>
-              <a:spcAft>
-                <a:spcPts val="0"/>
-              </a:spcAft>
+            <a:pPr lvl="0">
               <a:buClr>
                 <a:schemeClr val="dk1"/>
               </a:buClr>
               <a:buSzPts val="1100"/>
-              <a:buFont typeface="Arial"/>
-              <a:buNone/>
             </a:pPr>
             <a:r>
-              <a:rPr lang="en-US" sz="2800" dirty="0" err="1">
+              <a:rPr lang="en-US" sz="2800" dirty="0">
                 <a:solidFill>
                   <a:srgbClr val="EFEFEF"/>
                 </a:solidFill>
@@ -24761,19 +24753,7 @@
                 <a:cs typeface="Roboto Thin"/>
                 <a:sym typeface="Roboto Thin"/>
               </a:rPr>
-              <a:t>Analyse</a:t>
-            </a:r>
-            <a:r>
-              <a:rPr lang="en-US" sz="2800" dirty="0">
-                <a:solidFill>
-                  <a:srgbClr val="EFEFEF"/>
-                </a:solidFill>
-                <a:latin typeface="Roboto Thin"/>
-                <a:ea typeface="Roboto Thin"/>
-                <a:cs typeface="Roboto Thin"/>
-                <a:sym typeface="Roboto Thin"/>
-              </a:rPr>
-              <a:t> Data with SQL</a:t>
+              <a:t>Data analysis with SQL</a:t>
             </a:r>
             <a:endParaRPr sz="2800" dirty="0">
               <a:solidFill>
